--- a/2022-FALL/Week15.pptx
+++ b/2022-FALL/Week15.pptx
@@ -262,7 +262,7 @@
           <a:p>
             <a:fld id="{2B1919C7-6BC3-4736-AC32-A62C7B81C82C}" type="datetimeFigureOut">
               <a:rPr lang="en-US" smtClean="0"/>
-              <a:t>8/16/2022</a:t>
+              <a:t>12/6/2022</a:t>
             </a:fld>
             <a:endParaRPr lang="en-US"/>
           </a:p>
@@ -460,7 +460,7 @@
           <a:p>
             <a:fld id="{2B1919C7-6BC3-4736-AC32-A62C7B81C82C}" type="datetimeFigureOut">
               <a:rPr lang="en-US" smtClean="0"/>
-              <a:t>8/16/2022</a:t>
+              <a:t>12/6/2022</a:t>
             </a:fld>
             <a:endParaRPr lang="en-US"/>
           </a:p>
@@ -668,7 +668,7 @@
           <a:p>
             <a:fld id="{2B1919C7-6BC3-4736-AC32-A62C7B81C82C}" type="datetimeFigureOut">
               <a:rPr lang="en-US" smtClean="0"/>
-              <a:t>8/16/2022</a:t>
+              <a:t>12/6/2022</a:t>
             </a:fld>
             <a:endParaRPr lang="en-US"/>
           </a:p>
@@ -866,7 +866,7 @@
           <a:p>
             <a:fld id="{2B1919C7-6BC3-4736-AC32-A62C7B81C82C}" type="datetimeFigureOut">
               <a:rPr lang="en-US" smtClean="0"/>
-              <a:t>8/16/2022</a:t>
+              <a:t>12/6/2022</a:t>
             </a:fld>
             <a:endParaRPr lang="en-US"/>
           </a:p>
@@ -1141,7 +1141,7 @@
           <a:p>
             <a:fld id="{2B1919C7-6BC3-4736-AC32-A62C7B81C82C}" type="datetimeFigureOut">
               <a:rPr lang="en-US" smtClean="0"/>
-              <a:t>8/16/2022</a:t>
+              <a:t>12/6/2022</a:t>
             </a:fld>
             <a:endParaRPr lang="en-US"/>
           </a:p>
@@ -1406,7 +1406,7 @@
           <a:p>
             <a:fld id="{2B1919C7-6BC3-4736-AC32-A62C7B81C82C}" type="datetimeFigureOut">
               <a:rPr lang="en-US" smtClean="0"/>
-              <a:t>8/16/2022</a:t>
+              <a:t>12/6/2022</a:t>
             </a:fld>
             <a:endParaRPr lang="en-US"/>
           </a:p>
@@ -1818,7 +1818,7 @@
           <a:p>
             <a:fld id="{2B1919C7-6BC3-4736-AC32-A62C7B81C82C}" type="datetimeFigureOut">
               <a:rPr lang="en-US" smtClean="0"/>
-              <a:t>8/16/2022</a:t>
+              <a:t>12/6/2022</a:t>
             </a:fld>
             <a:endParaRPr lang="en-US"/>
           </a:p>
@@ -1959,7 +1959,7 @@
           <a:p>
             <a:fld id="{2B1919C7-6BC3-4736-AC32-A62C7B81C82C}" type="datetimeFigureOut">
               <a:rPr lang="en-US" smtClean="0"/>
-              <a:t>8/16/2022</a:t>
+              <a:t>12/6/2022</a:t>
             </a:fld>
             <a:endParaRPr lang="en-US"/>
           </a:p>
@@ -2072,7 +2072,7 @@
           <a:p>
             <a:fld id="{2B1919C7-6BC3-4736-AC32-A62C7B81C82C}" type="datetimeFigureOut">
               <a:rPr lang="en-US" smtClean="0"/>
-              <a:t>8/16/2022</a:t>
+              <a:t>12/6/2022</a:t>
             </a:fld>
             <a:endParaRPr lang="en-US"/>
           </a:p>
@@ -2383,7 +2383,7 @@
           <a:p>
             <a:fld id="{2B1919C7-6BC3-4736-AC32-A62C7B81C82C}" type="datetimeFigureOut">
               <a:rPr lang="en-US" smtClean="0"/>
-              <a:t>8/16/2022</a:t>
+              <a:t>12/6/2022</a:t>
             </a:fld>
             <a:endParaRPr lang="en-US"/>
           </a:p>
@@ -2671,7 +2671,7 @@
           <a:p>
             <a:fld id="{2B1919C7-6BC3-4736-AC32-A62C7B81C82C}" type="datetimeFigureOut">
               <a:rPr lang="en-US" smtClean="0"/>
-              <a:t>8/16/2022</a:t>
+              <a:t>12/6/2022</a:t>
             </a:fld>
             <a:endParaRPr lang="en-US"/>
           </a:p>
@@ -2912,7 +2912,7 @@
           <a:p>
             <a:fld id="{2B1919C7-6BC3-4736-AC32-A62C7B81C82C}" type="datetimeFigureOut">
               <a:rPr lang="en-US" smtClean="0"/>
-              <a:t>8/16/2022</a:t>
+              <a:t>12/6/2022</a:t>
             </a:fld>
             <a:endParaRPr lang="en-US"/>
           </a:p>
@@ -3717,8 +3717,111 @@
           <a:p>
             <a:r>
               <a:rPr lang="en-US" dirty="0"/>
-              <a:t>Group 1: ???</a:t>
-            </a:r>
+              <a:t>Group 1: Kai </a:t>
+            </a:r>
+            <a:r>
+              <a:rPr lang="en-US" dirty="0" err="1"/>
+              <a:t>Mwirotisi</a:t>
+            </a:r>
+            <a:r>
+              <a:rPr lang="en-US" dirty="0"/>
+              <a:t>-Shaw and Logan </a:t>
+            </a:r>
+            <a:r>
+              <a:rPr lang="en-US" dirty="0" err="1"/>
+              <a:t>Kennebeck</a:t>
+            </a:r>
+            <a:endParaRPr lang="en-US" dirty="0"/>
+          </a:p>
+          <a:p>
+            <a:r>
+              <a:rPr lang="en-US" dirty="0"/>
+              <a:t>Group 2: Elizabeth Allan, Joseph Hackett, and Katie </a:t>
+            </a:r>
+            <a:r>
+              <a:rPr lang="en-US" dirty="0" err="1"/>
+              <a:t>Freerksen</a:t>
+            </a:r>
+            <a:endParaRPr lang="en-US" dirty="0"/>
+          </a:p>
+          <a:p>
+            <a:r>
+              <a:rPr lang="en-US" dirty="0"/>
+              <a:t>Group 3: Taylor Wilkens, Morgan </a:t>
+            </a:r>
+            <a:r>
+              <a:rPr lang="en-US" dirty="0" err="1"/>
+              <a:t>Christnesen</a:t>
+            </a:r>
+            <a:r>
+              <a:rPr lang="en-US" dirty="0"/>
+              <a:t>, and Deon </a:t>
+            </a:r>
+            <a:r>
+              <a:rPr lang="en-US" dirty="0" err="1"/>
+              <a:t>Daigh</a:t>
+            </a:r>
+            <a:endParaRPr lang="en-US" dirty="0"/>
+          </a:p>
+          <a:p>
+            <a:r>
+              <a:rPr lang="en-US" dirty="0"/>
+              <a:t>Group 4: Kevin Rooney, John Harris, and Justin </a:t>
+            </a:r>
+            <a:r>
+              <a:rPr lang="en-US" dirty="0" err="1"/>
+              <a:t>Graeve</a:t>
+            </a:r>
+            <a:endParaRPr lang="en-US" dirty="0"/>
+          </a:p>
+          <a:p>
+            <a:r>
+              <a:rPr lang="en-US" dirty="0"/>
+              <a:t>Group 5: Jake </a:t>
+            </a:r>
+            <a:r>
+              <a:rPr lang="en-US" dirty="0" err="1"/>
+              <a:t>Leiendecker</a:t>
+            </a:r>
+            <a:r>
+              <a:rPr lang="en-US" dirty="0"/>
+              <a:t>, Quinn Murphy, and </a:t>
+            </a:r>
+            <a:r>
+              <a:rPr lang="en-US" dirty="0" err="1"/>
+              <a:t>Alexandar</a:t>
+            </a:r>
+            <a:r>
+              <a:rPr lang="en-US" dirty="0"/>
+              <a:t> Vang</a:t>
+            </a:r>
+          </a:p>
+          <a:p>
+            <a:r>
+              <a:rPr lang="en-US" dirty="0"/>
+              <a:t>Group 6: Alexis </a:t>
+            </a:r>
+            <a:r>
+              <a:rPr lang="en-US" dirty="0" err="1"/>
+              <a:t>Meis</a:t>
+            </a:r>
+            <a:r>
+              <a:rPr lang="en-US" dirty="0"/>
+              <a:t>, Killian </a:t>
+            </a:r>
+            <a:r>
+              <a:rPr lang="en-US" dirty="0" err="1"/>
+              <a:t>Whede</a:t>
+            </a:r>
+            <a:r>
+              <a:rPr lang="en-US" dirty="0"/>
+              <a:t>, and Alan </a:t>
+            </a:r>
+            <a:r>
+              <a:rPr lang="en-US"/>
+              <a:t>Synder</a:t>
+            </a:r>
+            <a:endParaRPr lang="en-US" dirty="0"/>
           </a:p>
         </p:txBody>
       </p:sp>
